--- a/Setup.pptx
+++ b/Setup.pptx
@@ -3684,240 +3684,6 @@
       <dsp:cNvGrpSpPr/>
     </dsp:nvGrpSpPr>
     <dsp:grpSpPr/>
-    <dsp:sp modelId="{C743E412-C2D4-40E5-9E7C-818B8C561C2D}">
-      <dsp:nvSpPr>
-        <dsp:cNvPr id="0" name=""/>
-        <dsp:cNvSpPr/>
-      </dsp:nvSpPr>
-      <dsp:spPr>
-        <a:xfrm>
-          <a:off x="3423317" y="1247382"/>
-          <a:ext cx="1438796" cy="2737404"/>
-        </a:xfrm>
-        <a:prstGeom prst="rect">
-          <a:avLst/>
-        </a:prstGeom>
-        <a:solidFill>
-          <a:schemeClr val="accent4">
-            <a:hueOff val="0"/>
-            <a:satOff val="0"/>
-            <a:lumOff val="0"/>
-            <a:alphaOff val="0"/>
-          </a:schemeClr>
-        </a:solidFill>
-        <a:ln w="12700" cap="flat" cmpd="sng" algn="ctr">
-          <a:solidFill>
-            <a:schemeClr val="lt1">
-              <a:hueOff val="0"/>
-              <a:satOff val="0"/>
-              <a:lumOff val="0"/>
-              <a:alphaOff val="0"/>
-            </a:schemeClr>
-          </a:solidFill>
-          <a:prstDash val="solid"/>
-          <a:miter lim="800000"/>
-        </a:ln>
-        <a:effectLst/>
-      </dsp:spPr>
-      <dsp:style>
-        <a:lnRef idx="2">
-          <a:scrgbClr r="0" g="0" b="0"/>
-        </a:lnRef>
-        <a:fillRef idx="1">
-          <a:scrgbClr r="0" g="0" b="0"/>
-        </a:fillRef>
-        <a:effectRef idx="0">
-          <a:scrgbClr r="0" g="0" b="0"/>
-        </a:effectRef>
-        <a:fontRef idx="minor">
-          <a:schemeClr val="lt1"/>
-        </a:fontRef>
-      </dsp:style>
-      <dsp:txBody>
-        <a:bodyPr spcFirstLastPara="0" vert="horz" wrap="square" lIns="91440" tIns="0" rIns="137160" bIns="30480" numCol="1" spcCol="1270" anchor="ctr" anchorCtr="0">
-          <a:noAutofit/>
-        </a:bodyPr>
-        <a:lstStyle/>
-        <a:p>
-          <a:pPr lvl="0" algn="r" defTabSz="1066800">
-            <a:lnSpc>
-              <a:spcPct val="90000"/>
-            </a:lnSpc>
-            <a:spcBef>
-              <a:spcPct val="0"/>
-            </a:spcBef>
-            <a:spcAft>
-              <a:spcPct val="35000"/>
-            </a:spcAft>
-          </a:pPr>
-          <a:r>
-            <a:rPr lang="de-CH" sz="2400" kern="1200" dirty="0" smtClean="0"/>
-            <a:t>R3</a:t>
-          </a:r>
-          <a:endParaRPr lang="de-CH" sz="2400" kern="1200" dirty="0"/>
-        </a:p>
-      </dsp:txBody>
-      <dsp:txXfrm rot="16200000">
-        <a:off x="3407711" y="2292171"/>
-        <a:ext cx="2463663" cy="374087"/>
-      </dsp:txXfrm>
-    </dsp:sp>
-    <dsp:sp modelId="{EBAF9144-01F2-43CB-A667-45A2753881CC}">
-      <dsp:nvSpPr>
-        <dsp:cNvPr id="0" name=""/>
-        <dsp:cNvSpPr/>
-      </dsp:nvSpPr>
-      <dsp:spPr>
-        <a:xfrm>
-          <a:off x="1855872" y="785612"/>
-          <a:ext cx="1438796" cy="3197714"/>
-        </a:xfrm>
-        <a:prstGeom prst="rect">
-          <a:avLst/>
-        </a:prstGeom>
-        <a:solidFill>
-          <a:schemeClr val="accent3">
-            <a:hueOff val="0"/>
-            <a:satOff val="0"/>
-            <a:lumOff val="0"/>
-            <a:alphaOff val="0"/>
-          </a:schemeClr>
-        </a:solidFill>
-        <a:ln w="12700" cap="flat" cmpd="sng" algn="ctr">
-          <a:solidFill>
-            <a:schemeClr val="lt1">
-              <a:hueOff val="0"/>
-              <a:satOff val="0"/>
-              <a:lumOff val="0"/>
-              <a:alphaOff val="0"/>
-            </a:schemeClr>
-          </a:solidFill>
-          <a:prstDash val="solid"/>
-          <a:miter lim="800000"/>
-        </a:ln>
-        <a:effectLst/>
-      </dsp:spPr>
-      <dsp:style>
-        <a:lnRef idx="2">
-          <a:scrgbClr r="0" g="0" b="0"/>
-        </a:lnRef>
-        <a:fillRef idx="1">
-          <a:scrgbClr r="0" g="0" b="0"/>
-        </a:fillRef>
-        <a:effectRef idx="0">
-          <a:scrgbClr r="0" g="0" b="0"/>
-        </a:effectRef>
-        <a:fontRef idx="minor">
-          <a:schemeClr val="lt1"/>
-        </a:fontRef>
-      </dsp:style>
-      <dsp:txBody>
-        <a:bodyPr spcFirstLastPara="0" vert="horz" wrap="square" lIns="91440" tIns="0" rIns="137160" bIns="30480" numCol="1" spcCol="1270" anchor="ctr" anchorCtr="0">
-          <a:noAutofit/>
-        </a:bodyPr>
-        <a:lstStyle/>
-        <a:p>
-          <a:pPr lvl="0" algn="r" defTabSz="1066800">
-            <a:lnSpc>
-              <a:spcPct val="90000"/>
-            </a:lnSpc>
-            <a:spcBef>
-              <a:spcPct val="0"/>
-            </a:spcBef>
-            <a:spcAft>
-              <a:spcPct val="35000"/>
-            </a:spcAft>
-          </a:pPr>
-          <a:r>
-            <a:rPr lang="de-CH" sz="2400" kern="1200" dirty="0" smtClean="0"/>
-            <a:t>R2</a:t>
-          </a:r>
-          <a:endParaRPr lang="de-CH" sz="2400" kern="1200" dirty="0"/>
-        </a:p>
-      </dsp:txBody>
-      <dsp:txXfrm rot="16200000">
-        <a:off x="1633127" y="2037540"/>
-        <a:ext cx="2877942" cy="374087"/>
-      </dsp:txXfrm>
-    </dsp:sp>
-    <dsp:sp modelId="{68193C31-698B-4BB7-8FC7-C5843CC150D8}">
-      <dsp:nvSpPr>
-        <dsp:cNvPr id="0" name=""/>
-        <dsp:cNvSpPr/>
-      </dsp:nvSpPr>
-      <dsp:spPr>
-        <a:xfrm>
-          <a:off x="283796" y="350489"/>
-          <a:ext cx="1438796" cy="3632837"/>
-        </a:xfrm>
-        <a:prstGeom prst="rect">
-          <a:avLst/>
-        </a:prstGeom>
-        <a:solidFill>
-          <a:schemeClr val="accent2">
-            <a:hueOff val="0"/>
-            <a:satOff val="0"/>
-            <a:lumOff val="0"/>
-            <a:alphaOff val="0"/>
-          </a:schemeClr>
-        </a:solidFill>
-        <a:ln w="12700" cap="flat" cmpd="sng" algn="ctr">
-          <a:solidFill>
-            <a:schemeClr val="lt1">
-              <a:hueOff val="0"/>
-              <a:satOff val="0"/>
-              <a:lumOff val="0"/>
-              <a:alphaOff val="0"/>
-            </a:schemeClr>
-          </a:solidFill>
-          <a:prstDash val="solid"/>
-          <a:miter lim="800000"/>
-        </a:ln>
-        <a:effectLst/>
-      </dsp:spPr>
-      <dsp:style>
-        <a:lnRef idx="2">
-          <a:scrgbClr r="0" g="0" b="0"/>
-        </a:lnRef>
-        <a:fillRef idx="1">
-          <a:scrgbClr r="0" g="0" b="0"/>
-        </a:fillRef>
-        <a:effectRef idx="0">
-          <a:scrgbClr r="0" g="0" b="0"/>
-        </a:effectRef>
-        <a:fontRef idx="minor">
-          <a:schemeClr val="lt1"/>
-        </a:fontRef>
-      </dsp:style>
-      <dsp:txBody>
-        <a:bodyPr spcFirstLastPara="0" vert="horz" wrap="square" lIns="91440" tIns="0" rIns="137160" bIns="30480" numCol="1" spcCol="1270" anchor="ctr" anchorCtr="0">
-          <a:noAutofit/>
-        </a:bodyPr>
-        <a:lstStyle/>
-        <a:p>
-          <a:pPr lvl="0" algn="r" defTabSz="1066800">
-            <a:lnSpc>
-              <a:spcPct val="90000"/>
-            </a:lnSpc>
-            <a:spcBef>
-              <a:spcPct val="0"/>
-            </a:spcBef>
-            <a:spcAft>
-              <a:spcPct val="35000"/>
-            </a:spcAft>
-          </a:pPr>
-          <a:r>
-            <a:rPr lang="de-CH" sz="2400" kern="1200" dirty="0" smtClean="0"/>
-            <a:t>R1</a:t>
-          </a:r>
-          <a:endParaRPr lang="de-CH" sz="2400" kern="1200" dirty="0"/>
-        </a:p>
-      </dsp:txBody>
-      <dsp:txXfrm rot="16200000">
-        <a:off x="-134753" y="1798222"/>
-        <a:ext cx="3269553" cy="374087"/>
-      </dsp:txXfrm>
-    </dsp:sp>
   </dsp:spTree>
 </dsp:drawing>
 </file>
@@ -8056,7 +7822,7 @@
           <a:p>
             <a:fld id="{3F1E0B3F-E8A9-40D1-8C96-ACD5C8333B3A}" type="datetimeFigureOut">
               <a:rPr lang="de-CH" smtClean="0"/>
-              <a:t>07.12.2016</a:t>
+              <a:t>12.12.2016</a:t>
             </a:fld>
             <a:endParaRPr lang="de-CH"/>
           </a:p>
@@ -8226,7 +7992,7 @@
           <a:p>
             <a:fld id="{3F1E0B3F-E8A9-40D1-8C96-ACD5C8333B3A}" type="datetimeFigureOut">
               <a:rPr lang="de-CH" smtClean="0"/>
-              <a:t>07.12.2016</a:t>
+              <a:t>12.12.2016</a:t>
             </a:fld>
             <a:endParaRPr lang="de-CH"/>
           </a:p>
@@ -8406,7 +8172,7 @@
           <a:p>
             <a:fld id="{3F1E0B3F-E8A9-40D1-8C96-ACD5C8333B3A}" type="datetimeFigureOut">
               <a:rPr lang="de-CH" smtClean="0"/>
-              <a:t>07.12.2016</a:t>
+              <a:t>12.12.2016</a:t>
             </a:fld>
             <a:endParaRPr lang="de-CH"/>
           </a:p>
@@ -8576,7 +8342,7 @@
           <a:p>
             <a:fld id="{3F1E0B3F-E8A9-40D1-8C96-ACD5C8333B3A}" type="datetimeFigureOut">
               <a:rPr lang="de-CH" smtClean="0"/>
-              <a:t>07.12.2016</a:t>
+              <a:t>12.12.2016</a:t>
             </a:fld>
             <a:endParaRPr lang="de-CH"/>
           </a:p>
@@ -8822,7 +8588,7 @@
           <a:p>
             <a:fld id="{3F1E0B3F-E8A9-40D1-8C96-ACD5C8333B3A}" type="datetimeFigureOut">
               <a:rPr lang="de-CH" smtClean="0"/>
-              <a:t>07.12.2016</a:t>
+              <a:t>12.12.2016</a:t>
             </a:fld>
             <a:endParaRPr lang="de-CH"/>
           </a:p>
@@ -9054,7 +8820,7 @@
           <a:p>
             <a:fld id="{3F1E0B3F-E8A9-40D1-8C96-ACD5C8333B3A}" type="datetimeFigureOut">
               <a:rPr lang="de-CH" smtClean="0"/>
-              <a:t>07.12.2016</a:t>
+              <a:t>12.12.2016</a:t>
             </a:fld>
             <a:endParaRPr lang="de-CH"/>
           </a:p>
@@ -9421,7 +9187,7 @@
           <a:p>
             <a:fld id="{3F1E0B3F-E8A9-40D1-8C96-ACD5C8333B3A}" type="datetimeFigureOut">
               <a:rPr lang="de-CH" smtClean="0"/>
-              <a:t>07.12.2016</a:t>
+              <a:t>12.12.2016</a:t>
             </a:fld>
             <a:endParaRPr lang="de-CH"/>
           </a:p>
@@ -9539,7 +9305,7 @@
           <a:p>
             <a:fld id="{3F1E0B3F-E8A9-40D1-8C96-ACD5C8333B3A}" type="datetimeFigureOut">
               <a:rPr lang="de-CH" smtClean="0"/>
-              <a:t>07.12.2016</a:t>
+              <a:t>12.12.2016</a:t>
             </a:fld>
             <a:endParaRPr lang="de-CH"/>
           </a:p>
@@ -9634,7 +9400,7 @@
           <a:p>
             <a:fld id="{3F1E0B3F-E8A9-40D1-8C96-ACD5C8333B3A}" type="datetimeFigureOut">
               <a:rPr lang="de-CH" smtClean="0"/>
-              <a:t>07.12.2016</a:t>
+              <a:t>12.12.2016</a:t>
             </a:fld>
             <a:endParaRPr lang="de-CH"/>
           </a:p>
@@ -9911,7 +9677,7 @@
           <a:p>
             <a:fld id="{3F1E0B3F-E8A9-40D1-8C96-ACD5C8333B3A}" type="datetimeFigureOut">
               <a:rPr lang="de-CH" smtClean="0"/>
-              <a:t>07.12.2016</a:t>
+              <a:t>12.12.2016</a:t>
             </a:fld>
             <a:endParaRPr lang="de-CH"/>
           </a:p>
@@ -10164,7 +9930,7 @@
           <a:p>
             <a:fld id="{3F1E0B3F-E8A9-40D1-8C96-ACD5C8333B3A}" type="datetimeFigureOut">
               <a:rPr lang="de-CH" smtClean="0"/>
-              <a:t>07.12.2016</a:t>
+              <a:t>12.12.2016</a:t>
             </a:fld>
             <a:endParaRPr lang="de-CH"/>
           </a:p>
@@ -10377,7 +10143,7 @@
           <a:p>
             <a:fld id="{3F1E0B3F-E8A9-40D1-8C96-ACD5C8333B3A}" type="datetimeFigureOut">
               <a:rPr lang="de-CH" smtClean="0"/>
-              <a:t>07.12.2016</a:t>
+              <a:t>12.12.2016</a:t>
             </a:fld>
             <a:endParaRPr lang="de-CH"/>
           </a:p>
@@ -10980,8 +10746,13 @@
           <a:p>
             <a:r>
               <a:rPr lang="de-CH" dirty="0" smtClean="0"/>
-              <a:t>Server Setup</a:t>
+              <a:t>Server </a:t>
             </a:r>
+            <a:r>
+              <a:rPr lang="de-CH" dirty="0" smtClean="0"/>
+              <a:t>Setup &amp; Requirments</a:t>
+            </a:r>
+            <a:endParaRPr lang="de-CH" dirty="0" smtClean="0"/>
           </a:p>
           <a:p>
             <a:pPr lvl="1"/>

--- a/Setup.pptx
+++ b/Setup.pptx
@@ -2411,6 +2411,80 @@
         </a:p>
       </dgm:t>
     </dgm:pt>
+    <dgm:pt modelId="{1478F4E1-DCFB-4FF7-A063-F167017441AE}">
+      <dgm:prSet/>
+      <dgm:spPr/>
+      <dgm:t>
+        <a:bodyPr/>
+        <a:lstStyle/>
+        <a:p>
+          <a:r>
+            <a:rPr lang="de-CH" dirty="0" smtClean="0"/>
+            <a:t>User Managment</a:t>
+          </a:r>
+          <a:endParaRPr lang="de-CH" dirty="0"/>
+        </a:p>
+      </dgm:t>
+    </dgm:pt>
+    <dgm:pt modelId="{523A66AE-3AEB-4740-AB95-95D844040FF1}" type="parTrans" cxnId="{A8FD6D60-FE02-4CFB-A50D-1F9C65DD610B}">
+      <dgm:prSet/>
+      <dgm:spPr/>
+      <dgm:t>
+        <a:bodyPr/>
+        <a:lstStyle/>
+        <a:p>
+          <a:endParaRPr lang="de-CH"/>
+        </a:p>
+      </dgm:t>
+    </dgm:pt>
+    <dgm:pt modelId="{141724E7-CDA5-4685-8BEC-E60E86FFF3C0}" type="sibTrans" cxnId="{A8FD6D60-FE02-4CFB-A50D-1F9C65DD610B}">
+      <dgm:prSet/>
+      <dgm:spPr/>
+      <dgm:t>
+        <a:bodyPr/>
+        <a:lstStyle/>
+        <a:p>
+          <a:endParaRPr lang="de-CH"/>
+        </a:p>
+      </dgm:t>
+    </dgm:pt>
+    <dgm:pt modelId="{2CC43DE9-8661-4C95-8F0E-6670A7833F03}">
+      <dgm:prSet/>
+      <dgm:spPr/>
+      <dgm:t>
+        <a:bodyPr/>
+        <a:lstStyle/>
+        <a:p>
+          <a:r>
+            <a:rPr lang="de-CH" dirty="0" smtClean="0"/>
+            <a:t>Notifications</a:t>
+          </a:r>
+          <a:endParaRPr lang="de-CH" dirty="0"/>
+        </a:p>
+      </dgm:t>
+    </dgm:pt>
+    <dgm:pt modelId="{C80C12D7-18E7-472C-A16E-FF06EC5C58EB}" type="parTrans" cxnId="{CB33D010-5D99-4296-95BE-186269E0E6D6}">
+      <dgm:prSet/>
+      <dgm:spPr/>
+      <dgm:t>
+        <a:bodyPr/>
+        <a:lstStyle/>
+        <a:p>
+          <a:endParaRPr lang="de-CH"/>
+        </a:p>
+      </dgm:t>
+    </dgm:pt>
+    <dgm:pt modelId="{A83D6773-E6D6-4A28-AE40-43A1C45F40DF}" type="sibTrans" cxnId="{CB33D010-5D99-4296-95BE-186269E0E6D6}">
+      <dgm:prSet/>
+      <dgm:spPr/>
+      <dgm:t>
+        <a:bodyPr/>
+        <a:lstStyle/>
+        <a:p>
+          <a:endParaRPr lang="de-CH"/>
+        </a:p>
+      </dgm:t>
+    </dgm:pt>
     <dgm:pt modelId="{EB6B76AE-9621-4DA9-8F44-65E490B659E9}" type="pres">
       <dgm:prSet presAssocID="{1A3696F1-9F63-42DB-857E-0E1BC8F91595}" presName="Name0" presStyleCnt="0">
         <dgm:presLayoutVars>
@@ -2582,13 +2656,16 @@
     <dgm:cxn modelId="{3238F687-2625-426B-82B9-B98DEEF284E9}" type="presOf" srcId="{C626C200-F1CC-49FF-9269-A9C55FDEA2DE}" destId="{2DCF1613-E999-41BE-80BF-98AEFC860152}" srcOrd="0" destOrd="0" presId="urn:microsoft.com/office/officeart/2005/8/layout/vList6"/>
     <dgm:cxn modelId="{8EB75A3D-D651-433D-AA73-801973A4A3B9}" srcId="{7F64CD3B-C926-4B4E-9D5B-2249CECEA565}" destId="{B9DEA1D2-91C9-4611-BD5B-0CA2C7C0AC80}" srcOrd="1" destOrd="0" parTransId="{28608362-FA85-42D5-821D-65A0C9B4358C}" sibTransId="{08624845-1A58-4066-9451-741D9A7BB8B2}"/>
     <dgm:cxn modelId="{27E0B4C4-C086-461A-A8A8-97D82FA70943}" srcId="{1A3696F1-9F63-42DB-857E-0E1BC8F91595}" destId="{C4633FE1-AAE5-4E47-9D2C-5932AD14062F}" srcOrd="0" destOrd="0" parTransId="{AEF1C6C5-FBD6-4955-B0C7-E200A591B258}" sibTransId="{E2E031C5-5259-43D9-85D3-23E53EB898A2}"/>
-    <dgm:cxn modelId="{AFA41E4B-0894-4DCC-A8A5-38D10A0C5D7C}" type="presOf" srcId="{D782641B-1024-487E-B642-F3734CC7F0DD}" destId="{65F11095-AB43-4D3C-8165-B76969900C3F}" srcOrd="0" destOrd="1" presId="urn:microsoft.com/office/officeart/2005/8/layout/vList6"/>
+    <dgm:cxn modelId="{AFA41E4B-0894-4DCC-A8A5-38D10A0C5D7C}" type="presOf" srcId="{D782641B-1024-487E-B642-F3734CC7F0DD}" destId="{65F11095-AB43-4D3C-8165-B76969900C3F}" srcOrd="0" destOrd="2" presId="urn:microsoft.com/office/officeart/2005/8/layout/vList6"/>
     <dgm:cxn modelId="{E9D715D3-8C3D-4E85-AA9A-9E884D180743}" srcId="{1A3696F1-9F63-42DB-857E-0E1BC8F91595}" destId="{7F64CD3B-C926-4B4E-9D5B-2249CECEA565}" srcOrd="3" destOrd="0" parTransId="{CD5E8DD0-8B10-4838-8F00-9125DDF18F1E}" sibTransId="{A337C257-6258-42C1-9DBA-13EAFF08CE30}"/>
+    <dgm:cxn modelId="{CB33D010-5D99-4296-95BE-186269E0E6D6}" srcId="{F317593A-FFED-48DF-89C7-AEF3991282B0}" destId="{2CC43DE9-8661-4C95-8F0E-6670A7833F03}" srcOrd="1" destOrd="0" parTransId="{C80C12D7-18E7-472C-A16E-FF06EC5C58EB}" sibTransId="{A83D6773-E6D6-4A28-AE40-43A1C45F40DF}"/>
     <dgm:cxn modelId="{D9DA12C8-F891-4542-99C5-81C721693748}" type="presOf" srcId="{7F64CD3B-C926-4B4E-9D5B-2249CECEA565}" destId="{8693FF85-DCA3-42C1-92E0-82C9DA529A93}" srcOrd="0" destOrd="0" presId="urn:microsoft.com/office/officeart/2005/8/layout/vList6"/>
     <dgm:cxn modelId="{837AC3D4-EF98-4640-B5C4-A8A20AF71147}" type="presOf" srcId="{61F466CB-ED39-47BB-878C-54E0913AEFC7}" destId="{65F11095-AB43-4D3C-8165-B76969900C3F}" srcOrd="0" destOrd="0" presId="urn:microsoft.com/office/officeart/2005/8/layout/vList6"/>
     <dgm:cxn modelId="{F7D1BB1E-7557-49AB-A396-C09D71897910}" type="presOf" srcId="{BC91E807-71C8-46F0-BED9-B57FD4B270B4}" destId="{7D65AB10-782F-4865-A0E5-D98777EA2983}" srcOrd="0" destOrd="0" presId="urn:microsoft.com/office/officeart/2005/8/layout/vList6"/>
+    <dgm:cxn modelId="{F1EA22D0-F4B2-4557-AFB0-309F3557ADCE}" type="presOf" srcId="{2CC43DE9-8661-4C95-8F0E-6670A7833F03}" destId="{32A8A5DB-1CEE-4A7D-BE21-F6D435225141}" srcOrd="0" destOrd="1" presId="urn:microsoft.com/office/officeart/2005/8/layout/vList6"/>
+    <dgm:cxn modelId="{A8FD6D60-FE02-4CFB-A50D-1F9C65DD610B}" srcId="{C626C200-F1CC-49FF-9269-A9C55FDEA2DE}" destId="{1478F4E1-DCFB-4FF7-A063-F167017441AE}" srcOrd="1" destOrd="0" parTransId="{523A66AE-3AEB-4740-AB95-95D844040FF1}" sibTransId="{141724E7-CDA5-4685-8BEC-E60E86FFF3C0}"/>
     <dgm:cxn modelId="{D0718ADA-2400-4413-ADA0-72C3411B0DCF}" srcId="{7F64CD3B-C926-4B4E-9D5B-2249CECEA565}" destId="{8FBC2256-9B4A-474D-A510-B324073DF4B0}" srcOrd="0" destOrd="0" parTransId="{9BE9BC1C-DE49-4AB3-94EA-BB0B31F28D8E}" sibTransId="{CDE5AFC5-CD84-4F0F-8202-3EEF283DEEEE}"/>
-    <dgm:cxn modelId="{4FB41DC1-7734-4121-B39A-F2B13CF13931}" srcId="{F317593A-FFED-48DF-89C7-AEF3991282B0}" destId="{42693E30-91D8-4978-A186-24171A6C230C}" srcOrd="1" destOrd="0" parTransId="{BFB44CE6-B6CC-4BB0-98A7-C0FC05070F65}" sibTransId="{2C433341-AFC1-4763-90AA-7375471FC62D}"/>
+    <dgm:cxn modelId="{4FB41DC1-7734-4121-B39A-F2B13CF13931}" srcId="{F317593A-FFED-48DF-89C7-AEF3991282B0}" destId="{42693E30-91D8-4978-A186-24171A6C230C}" srcOrd="2" destOrd="0" parTransId="{BFB44CE6-B6CC-4BB0-98A7-C0FC05070F65}" sibTransId="{2C433341-AFC1-4763-90AA-7375471FC62D}"/>
     <dgm:cxn modelId="{95501690-A32A-40B1-9EF1-7B5305034981}" srcId="{C4633FE1-AAE5-4E47-9D2C-5932AD14062F}" destId="{BC91E807-71C8-46F0-BED9-B57FD4B270B4}" srcOrd="0" destOrd="0" parTransId="{6F170037-BF64-486F-BE28-EBB30E4EA50C}" sibTransId="{D1B26D0B-DEF2-479E-A000-EE67D7B50DD3}"/>
     <dgm:cxn modelId="{7A16EDED-0CD0-477E-9BEA-687F0779283B}" srcId="{1A3696F1-9F63-42DB-857E-0E1BC8F91595}" destId="{C626C200-F1CC-49FF-9269-A9C55FDEA2DE}" srcOrd="1" destOrd="0" parTransId="{A6106131-DB4F-4CF4-B4D6-A231BAAD5237}" sibTransId="{5D7564C9-DA28-4DFE-A4CF-81700CF61705}"/>
     <dgm:cxn modelId="{B6D136E8-ACBC-4A3C-81A6-B1EFBC4D1611}" type="presOf" srcId="{8FBC2256-9B4A-474D-A510-B324073DF4B0}" destId="{F55ACC3B-0818-4CA5-B82A-55BF1FC00482}" srcOrd="0" destOrd="0" presId="urn:microsoft.com/office/officeart/2005/8/layout/vList6"/>
@@ -2596,11 +2673,12 @@
     <dgm:cxn modelId="{210B821A-9DC0-4934-B62B-0F94A60C1729}" srcId="{1A3696F1-9F63-42DB-857E-0E1BC8F91595}" destId="{F317593A-FFED-48DF-89C7-AEF3991282B0}" srcOrd="2" destOrd="0" parTransId="{555BCEF6-C6E0-4957-B4AA-A7CA4B6EAC0B}" sibTransId="{795E12AC-C8F8-45AE-8C4E-F1FB00D3E4AD}"/>
     <dgm:cxn modelId="{EF13C24A-A3C1-4C0F-9B36-9D419D32F3C1}" srcId="{C4633FE1-AAE5-4E47-9D2C-5932AD14062F}" destId="{8244B53A-54CD-4AF5-809D-9C2EAAA87948}" srcOrd="1" destOrd="0" parTransId="{5FDE5176-F425-423E-915D-E91DE79EBDA5}" sibTransId="{2B102E44-6EDA-4790-B578-A26FCBF0A93A}"/>
     <dgm:cxn modelId="{3A4A533D-D692-4D16-A8A4-CA46CA45E4AE}" srcId="{F317593A-FFED-48DF-89C7-AEF3991282B0}" destId="{B8A050EF-0AF0-4436-811F-B587369A47B7}" srcOrd="0" destOrd="0" parTransId="{B54DAD51-ABDF-4F29-A085-024AFD3EDFF1}" sibTransId="{DF049FD0-D137-411C-B138-1A3438BBBB49}"/>
-    <dgm:cxn modelId="{5989F7B5-FDBA-44BD-B539-F4B51BF3DCB1}" type="presOf" srcId="{42693E30-91D8-4978-A186-24171A6C230C}" destId="{32A8A5DB-1CEE-4A7D-BE21-F6D435225141}" srcOrd="0" destOrd="1" presId="urn:microsoft.com/office/officeart/2005/8/layout/vList6"/>
+    <dgm:cxn modelId="{5989F7B5-FDBA-44BD-B539-F4B51BF3DCB1}" type="presOf" srcId="{42693E30-91D8-4978-A186-24171A6C230C}" destId="{32A8A5DB-1CEE-4A7D-BE21-F6D435225141}" srcOrd="0" destOrd="2" presId="urn:microsoft.com/office/officeart/2005/8/layout/vList6"/>
     <dgm:cxn modelId="{CAD83B7F-C823-496A-B7C2-551A43FB36CA}" srcId="{C626C200-F1CC-49FF-9269-A9C55FDEA2DE}" destId="{61F466CB-ED39-47BB-878C-54E0913AEFC7}" srcOrd="0" destOrd="0" parTransId="{5228C976-57C7-4B69-8CAC-458A97FC71C2}" sibTransId="{2C028268-1F22-4DF2-BCE1-367C585F4954}"/>
-    <dgm:cxn modelId="{960E7C6B-CC32-4141-ACC9-684CDCD1EA5C}" srcId="{C626C200-F1CC-49FF-9269-A9C55FDEA2DE}" destId="{D782641B-1024-487E-B642-F3734CC7F0DD}" srcOrd="1" destOrd="0" parTransId="{1F8CCDC7-849A-4CEE-B901-012DB8DD8AD4}" sibTransId="{D5D7FF77-2E25-4377-95DB-42FEFB666CE1}"/>
+    <dgm:cxn modelId="{960E7C6B-CC32-4141-ACC9-684CDCD1EA5C}" srcId="{C626C200-F1CC-49FF-9269-A9C55FDEA2DE}" destId="{D782641B-1024-487E-B642-F3734CC7F0DD}" srcOrd="2" destOrd="0" parTransId="{1F8CCDC7-849A-4CEE-B901-012DB8DD8AD4}" sibTransId="{D5D7FF77-2E25-4377-95DB-42FEFB666CE1}"/>
     <dgm:cxn modelId="{FD666837-450D-4F00-911B-18C05BCCE871}" type="presOf" srcId="{B8A050EF-0AF0-4436-811F-B587369A47B7}" destId="{32A8A5DB-1CEE-4A7D-BE21-F6D435225141}" srcOrd="0" destOrd="0" presId="urn:microsoft.com/office/officeart/2005/8/layout/vList6"/>
     <dgm:cxn modelId="{50588BFA-EA10-4B9F-8976-3CB1BE806C57}" type="presOf" srcId="{8244B53A-54CD-4AF5-809D-9C2EAAA87948}" destId="{7D65AB10-782F-4865-A0E5-D98777EA2983}" srcOrd="0" destOrd="1" presId="urn:microsoft.com/office/officeart/2005/8/layout/vList6"/>
+    <dgm:cxn modelId="{0EA11D47-DA4C-4BD9-BF72-9D3E7AF13B63}" type="presOf" srcId="{1478F4E1-DCFB-4FF7-A063-F167017441AE}" destId="{65F11095-AB43-4D3C-8165-B76969900C3F}" srcOrd="0" destOrd="1" presId="urn:microsoft.com/office/officeart/2005/8/layout/vList6"/>
     <dgm:cxn modelId="{DAA7D107-39A6-415B-A9ED-16056BEF8764}" type="presOf" srcId="{B9DEA1D2-91C9-4611-BD5B-0CA2C7C0AC80}" destId="{F55ACC3B-0818-4CA5-B82A-55BF1FC00482}" srcOrd="0" destOrd="1" presId="urn:microsoft.com/office/officeart/2005/8/layout/vList6"/>
     <dgm:cxn modelId="{1CBA8835-353D-4DD8-A0BA-DCE3B0C52102}" type="presOf" srcId="{1A3696F1-9F63-42DB-857E-0E1BC8F91595}" destId="{EB6B76AE-9621-4DA9-8F44-65E490B659E9}" srcOrd="0" destOrd="0" presId="urn:microsoft.com/office/officeart/2005/8/layout/vList6"/>
     <dgm:cxn modelId="{7C401F93-482D-4412-9831-D084DFB9ADBD}" type="presParOf" srcId="{EB6B76AE-9621-4DA9-8F44-65E490B659E9}" destId="{ADEB45BE-4B35-4CF2-A71B-AE7E2B62EEF8}" srcOrd="0" destOrd="0" presId="urn:microsoft.com/office/officeart/2005/8/layout/vList6"/>
@@ -3003,12 +3081,12 @@
         <a:fontRef idx="minor"/>
       </dsp:style>
       <dsp:txBody>
-        <a:bodyPr spcFirstLastPara="0" vert="horz" wrap="square" lIns="15240" tIns="15240" rIns="15240" bIns="15240" numCol="1" spcCol="1270" anchor="t" anchorCtr="0">
+        <a:bodyPr spcFirstLastPara="0" vert="horz" wrap="square" lIns="9525" tIns="9525" rIns="9525" bIns="9525" numCol="1" spcCol="1270" anchor="t" anchorCtr="0">
           <a:noAutofit/>
         </a:bodyPr>
         <a:lstStyle/>
         <a:p>
-          <a:pPr marL="228600" lvl="1" indent="-228600" algn="l" defTabSz="1066800">
+          <a:pPr marL="114300" lvl="1" indent="-114300" algn="l" defTabSz="666750">
             <a:lnSpc>
               <a:spcPct val="90000"/>
             </a:lnSpc>
@@ -3021,13 +3099,13 @@
             <a:buChar char="••"/>
           </a:pPr>
           <a:r>
-            <a:rPr lang="de-CH" sz="2400" kern="1200" dirty="0" smtClean="0"/>
+            <a:rPr lang="de-CH" sz="1500" kern="1200" dirty="0" smtClean="0"/>
             <a:t>Installation</a:t>
           </a:r>
-          <a:endParaRPr lang="de-CH" sz="2400" kern="1200" dirty="0"/>
+          <a:endParaRPr lang="de-CH" sz="1500" kern="1200" dirty="0"/>
         </a:p>
         <a:p>
-          <a:pPr marL="228600" lvl="1" indent="-228600" algn="l" defTabSz="1066800">
+          <a:pPr marL="114300" lvl="1" indent="-114300" algn="l" defTabSz="666750">
             <a:lnSpc>
               <a:spcPct val="90000"/>
             </a:lnSpc>
@@ -3040,10 +3118,10 @@
             <a:buChar char="••"/>
           </a:pPr>
           <a:r>
-            <a:rPr lang="de-CH" sz="2400" kern="1200" dirty="0" smtClean="0"/>
+            <a:rPr lang="de-CH" sz="1500" kern="1200" dirty="0" smtClean="0"/>
             <a:t>Einrichtung</a:t>
           </a:r>
-          <a:endParaRPr lang="de-CH" sz="2400" kern="1200" dirty="0"/>
+          <a:endParaRPr lang="de-CH" sz="1500" kern="1200" dirty="0"/>
         </a:p>
       </dsp:txBody>
       <dsp:txXfrm>
@@ -3184,12 +3262,12 @@
         <a:fontRef idx="minor"/>
       </dsp:style>
       <dsp:txBody>
-        <a:bodyPr spcFirstLastPara="0" vert="horz" wrap="square" lIns="15240" tIns="15240" rIns="15240" bIns="15240" numCol="1" spcCol="1270" anchor="t" anchorCtr="0">
+        <a:bodyPr spcFirstLastPara="0" vert="horz" wrap="square" lIns="9525" tIns="9525" rIns="9525" bIns="9525" numCol="1" spcCol="1270" anchor="t" anchorCtr="0">
           <a:noAutofit/>
         </a:bodyPr>
         <a:lstStyle/>
         <a:p>
-          <a:pPr marL="228600" lvl="1" indent="-228600" algn="l" defTabSz="1066800">
+          <a:pPr marL="114300" lvl="1" indent="-114300" algn="l" defTabSz="666750">
             <a:lnSpc>
               <a:spcPct val="90000"/>
             </a:lnSpc>
@@ -3202,13 +3280,13 @@
             <a:buChar char="••"/>
           </a:pPr>
           <a:r>
-            <a:rPr lang="de-CH" sz="2400" kern="1200" dirty="0" smtClean="0"/>
+            <a:rPr lang="de-CH" sz="1500" kern="1200" dirty="0" smtClean="0"/>
             <a:t>Fixes</a:t>
           </a:r>
-          <a:endParaRPr lang="de-CH" sz="2400" kern="1200" dirty="0"/>
+          <a:endParaRPr lang="de-CH" sz="1500" kern="1200" dirty="0"/>
         </a:p>
         <a:p>
-          <a:pPr marL="228600" lvl="1" indent="-228600" algn="l" defTabSz="1066800">
+          <a:pPr marL="114300" lvl="1" indent="-114300" algn="l" defTabSz="666750">
             <a:lnSpc>
               <a:spcPct val="90000"/>
             </a:lnSpc>
@@ -3221,10 +3299,29 @@
             <a:buChar char="••"/>
           </a:pPr>
           <a:r>
-            <a:rPr lang="de-CH" sz="2400" kern="1200" dirty="0" smtClean="0"/>
+            <a:rPr lang="de-CH" sz="1500" kern="1200" dirty="0" smtClean="0"/>
+            <a:t>User Managment</a:t>
+          </a:r>
+          <a:endParaRPr lang="de-CH" sz="1500" kern="1200" dirty="0"/>
+        </a:p>
+        <a:p>
+          <a:pPr marL="114300" lvl="1" indent="-114300" algn="l" defTabSz="666750">
+            <a:lnSpc>
+              <a:spcPct val="90000"/>
+            </a:lnSpc>
+            <a:spcBef>
+              <a:spcPct val="0"/>
+            </a:spcBef>
+            <a:spcAft>
+              <a:spcPct val="15000"/>
+            </a:spcAft>
+            <a:buChar char="••"/>
+          </a:pPr>
+          <a:r>
+            <a:rPr lang="de-CH" sz="1500" kern="1200" dirty="0" smtClean="0"/>
             <a:t>Customizing</a:t>
           </a:r>
-          <a:endParaRPr lang="de-CH" sz="2400" kern="1200" dirty="0"/>
+          <a:endParaRPr lang="de-CH" sz="1500" kern="1200" dirty="0"/>
         </a:p>
       </dsp:txBody>
       <dsp:txXfrm>
@@ -3365,12 +3462,12 @@
         <a:fontRef idx="minor"/>
       </dsp:style>
       <dsp:txBody>
-        <a:bodyPr spcFirstLastPara="0" vert="horz" wrap="square" lIns="15240" tIns="15240" rIns="15240" bIns="15240" numCol="1" spcCol="1270" anchor="t" anchorCtr="0">
+        <a:bodyPr spcFirstLastPara="0" vert="horz" wrap="square" lIns="9525" tIns="9525" rIns="9525" bIns="9525" numCol="1" spcCol="1270" anchor="t" anchorCtr="0">
           <a:noAutofit/>
         </a:bodyPr>
         <a:lstStyle/>
         <a:p>
-          <a:pPr marL="228600" lvl="1" indent="-228600" algn="l" defTabSz="1066800">
+          <a:pPr marL="114300" lvl="1" indent="-114300" algn="l" defTabSz="666750">
             <a:lnSpc>
               <a:spcPct val="90000"/>
             </a:lnSpc>
@@ -3383,13 +3480,13 @@
             <a:buChar char="••"/>
           </a:pPr>
           <a:r>
-            <a:rPr lang="de-CH" sz="2400" kern="1200" dirty="0" smtClean="0"/>
+            <a:rPr lang="de-CH" sz="1500" kern="1200" dirty="0" smtClean="0"/>
             <a:t>Fixes</a:t>
           </a:r>
-          <a:endParaRPr lang="de-CH" sz="2400" kern="1200" dirty="0"/>
+          <a:endParaRPr lang="de-CH" sz="1500" kern="1200" dirty="0"/>
         </a:p>
         <a:p>
-          <a:pPr marL="228600" lvl="1" indent="-228600" algn="l" defTabSz="1066800">
+          <a:pPr marL="114300" lvl="1" indent="-114300" algn="l" defTabSz="666750">
             <a:lnSpc>
               <a:spcPct val="90000"/>
             </a:lnSpc>
@@ -3402,10 +3499,29 @@
             <a:buChar char="••"/>
           </a:pPr>
           <a:r>
-            <a:rPr lang="de-CH" sz="2400" kern="1200" dirty="0" smtClean="0"/>
+            <a:rPr lang="de-CH" sz="1500" kern="1200" dirty="0" smtClean="0"/>
+            <a:t>Notifications</a:t>
+          </a:r>
+          <a:endParaRPr lang="de-CH" sz="1500" kern="1200" dirty="0"/>
+        </a:p>
+        <a:p>
+          <a:pPr marL="114300" lvl="1" indent="-114300" algn="l" defTabSz="666750">
+            <a:lnSpc>
+              <a:spcPct val="90000"/>
+            </a:lnSpc>
+            <a:spcBef>
+              <a:spcPct val="0"/>
+            </a:spcBef>
+            <a:spcAft>
+              <a:spcPct val="15000"/>
+            </a:spcAft>
+            <a:buChar char="••"/>
+          </a:pPr>
+          <a:r>
+            <a:rPr lang="de-CH" sz="1500" kern="1200" dirty="0" smtClean="0"/>
             <a:t>Customizing</a:t>
           </a:r>
-          <a:endParaRPr lang="de-CH" sz="2400" kern="1200" dirty="0"/>
+          <a:endParaRPr lang="de-CH" sz="1500" kern="1200" dirty="0"/>
         </a:p>
       </dsp:txBody>
       <dsp:txXfrm>
@@ -3546,12 +3662,12 @@
         <a:fontRef idx="minor"/>
       </dsp:style>
       <dsp:txBody>
-        <a:bodyPr spcFirstLastPara="0" vert="horz" wrap="square" lIns="15240" tIns="15240" rIns="15240" bIns="15240" numCol="1" spcCol="1270" anchor="t" anchorCtr="0">
+        <a:bodyPr spcFirstLastPara="0" vert="horz" wrap="square" lIns="9525" tIns="9525" rIns="9525" bIns="9525" numCol="1" spcCol="1270" anchor="t" anchorCtr="0">
           <a:noAutofit/>
         </a:bodyPr>
         <a:lstStyle/>
         <a:p>
-          <a:pPr marL="228600" lvl="1" indent="-228600" algn="l" defTabSz="1066800">
+          <a:pPr marL="114300" lvl="1" indent="-114300" algn="l" defTabSz="666750">
             <a:lnSpc>
               <a:spcPct val="90000"/>
             </a:lnSpc>
@@ -3564,13 +3680,13 @@
             <a:buChar char="••"/>
           </a:pPr>
           <a:r>
-            <a:rPr lang="de-CH" sz="2400" kern="1200" dirty="0" smtClean="0"/>
+            <a:rPr lang="de-CH" sz="1500" kern="1200" dirty="0" smtClean="0"/>
             <a:t>Fixes</a:t>
           </a:r>
-          <a:endParaRPr lang="de-CH" sz="2400" kern="1200" dirty="0"/>
+          <a:endParaRPr lang="de-CH" sz="1500" kern="1200" dirty="0"/>
         </a:p>
         <a:p>
-          <a:pPr marL="228600" lvl="1" indent="-228600" algn="l" defTabSz="1066800">
+          <a:pPr marL="114300" lvl="1" indent="-114300" algn="l" defTabSz="666750">
             <a:lnSpc>
               <a:spcPct val="90000"/>
             </a:lnSpc>
@@ -3583,10 +3699,10 @@
             <a:buChar char="••"/>
           </a:pPr>
           <a:r>
-            <a:rPr lang="de-CH" sz="2400" kern="1200" dirty="0" smtClean="0"/>
+            <a:rPr lang="de-CH" sz="1500" kern="1200" dirty="0" smtClean="0"/>
             <a:t>...</a:t>
           </a:r>
-          <a:endParaRPr lang="de-CH" sz="2400" kern="1200" dirty="0"/>
+          <a:endParaRPr lang="de-CH" sz="1500" kern="1200" dirty="0"/>
         </a:p>
       </dsp:txBody>
       <dsp:txXfrm>
@@ -3684,6 +3800,240 @@
       <dsp:cNvGrpSpPr/>
     </dsp:nvGrpSpPr>
     <dsp:grpSpPr/>
+    <dsp:sp modelId="{C743E412-C2D4-40E5-9E7C-818B8C561C2D}">
+      <dsp:nvSpPr>
+        <dsp:cNvPr id="0" name=""/>
+        <dsp:cNvSpPr/>
+      </dsp:nvSpPr>
+      <dsp:spPr>
+        <a:xfrm>
+          <a:off x="3423317" y="1247382"/>
+          <a:ext cx="1438796" cy="2737404"/>
+        </a:xfrm>
+        <a:prstGeom prst="rect">
+          <a:avLst/>
+        </a:prstGeom>
+        <a:solidFill>
+          <a:schemeClr val="accent4">
+            <a:hueOff val="0"/>
+            <a:satOff val="0"/>
+            <a:lumOff val="0"/>
+            <a:alphaOff val="0"/>
+          </a:schemeClr>
+        </a:solidFill>
+        <a:ln w="12700" cap="flat" cmpd="sng" algn="ctr">
+          <a:solidFill>
+            <a:schemeClr val="lt1">
+              <a:hueOff val="0"/>
+              <a:satOff val="0"/>
+              <a:lumOff val="0"/>
+              <a:alphaOff val="0"/>
+            </a:schemeClr>
+          </a:solidFill>
+          <a:prstDash val="solid"/>
+          <a:miter lim="800000"/>
+        </a:ln>
+        <a:effectLst/>
+      </dsp:spPr>
+      <dsp:style>
+        <a:lnRef idx="2">
+          <a:scrgbClr r="0" g="0" b="0"/>
+        </a:lnRef>
+        <a:fillRef idx="1">
+          <a:scrgbClr r="0" g="0" b="0"/>
+        </a:fillRef>
+        <a:effectRef idx="0">
+          <a:scrgbClr r="0" g="0" b="0"/>
+        </a:effectRef>
+        <a:fontRef idx="minor">
+          <a:schemeClr val="lt1"/>
+        </a:fontRef>
+      </dsp:style>
+      <dsp:txBody>
+        <a:bodyPr spcFirstLastPara="0" vert="horz" wrap="square" lIns="91440" tIns="0" rIns="137160" bIns="30480" numCol="1" spcCol="1270" anchor="ctr" anchorCtr="0">
+          <a:noAutofit/>
+        </a:bodyPr>
+        <a:lstStyle/>
+        <a:p>
+          <a:pPr lvl="0" algn="r" defTabSz="1066800">
+            <a:lnSpc>
+              <a:spcPct val="90000"/>
+            </a:lnSpc>
+            <a:spcBef>
+              <a:spcPct val="0"/>
+            </a:spcBef>
+            <a:spcAft>
+              <a:spcPct val="35000"/>
+            </a:spcAft>
+          </a:pPr>
+          <a:r>
+            <a:rPr lang="de-CH" sz="2400" kern="1200" dirty="0" smtClean="0"/>
+            <a:t>R3</a:t>
+          </a:r>
+          <a:endParaRPr lang="de-CH" sz="2400" kern="1200" dirty="0"/>
+        </a:p>
+      </dsp:txBody>
+      <dsp:txXfrm rot="16200000">
+        <a:off x="3407711" y="2292171"/>
+        <a:ext cx="2463663" cy="374087"/>
+      </dsp:txXfrm>
+    </dsp:sp>
+    <dsp:sp modelId="{EBAF9144-01F2-43CB-A667-45A2753881CC}">
+      <dsp:nvSpPr>
+        <dsp:cNvPr id="0" name=""/>
+        <dsp:cNvSpPr/>
+      </dsp:nvSpPr>
+      <dsp:spPr>
+        <a:xfrm>
+          <a:off x="1855872" y="785612"/>
+          <a:ext cx="1438796" cy="3197714"/>
+        </a:xfrm>
+        <a:prstGeom prst="rect">
+          <a:avLst/>
+        </a:prstGeom>
+        <a:solidFill>
+          <a:schemeClr val="accent3">
+            <a:hueOff val="0"/>
+            <a:satOff val="0"/>
+            <a:lumOff val="0"/>
+            <a:alphaOff val="0"/>
+          </a:schemeClr>
+        </a:solidFill>
+        <a:ln w="12700" cap="flat" cmpd="sng" algn="ctr">
+          <a:solidFill>
+            <a:schemeClr val="lt1">
+              <a:hueOff val="0"/>
+              <a:satOff val="0"/>
+              <a:lumOff val="0"/>
+              <a:alphaOff val="0"/>
+            </a:schemeClr>
+          </a:solidFill>
+          <a:prstDash val="solid"/>
+          <a:miter lim="800000"/>
+        </a:ln>
+        <a:effectLst/>
+      </dsp:spPr>
+      <dsp:style>
+        <a:lnRef idx="2">
+          <a:scrgbClr r="0" g="0" b="0"/>
+        </a:lnRef>
+        <a:fillRef idx="1">
+          <a:scrgbClr r="0" g="0" b="0"/>
+        </a:fillRef>
+        <a:effectRef idx="0">
+          <a:scrgbClr r="0" g="0" b="0"/>
+        </a:effectRef>
+        <a:fontRef idx="minor">
+          <a:schemeClr val="lt1"/>
+        </a:fontRef>
+      </dsp:style>
+      <dsp:txBody>
+        <a:bodyPr spcFirstLastPara="0" vert="horz" wrap="square" lIns="91440" tIns="0" rIns="137160" bIns="30480" numCol="1" spcCol="1270" anchor="ctr" anchorCtr="0">
+          <a:noAutofit/>
+        </a:bodyPr>
+        <a:lstStyle/>
+        <a:p>
+          <a:pPr lvl="0" algn="r" defTabSz="1066800">
+            <a:lnSpc>
+              <a:spcPct val="90000"/>
+            </a:lnSpc>
+            <a:spcBef>
+              <a:spcPct val="0"/>
+            </a:spcBef>
+            <a:spcAft>
+              <a:spcPct val="35000"/>
+            </a:spcAft>
+          </a:pPr>
+          <a:r>
+            <a:rPr lang="de-CH" sz="2400" kern="1200" dirty="0" smtClean="0"/>
+            <a:t>R2</a:t>
+          </a:r>
+          <a:endParaRPr lang="de-CH" sz="2400" kern="1200" dirty="0"/>
+        </a:p>
+      </dsp:txBody>
+      <dsp:txXfrm rot="16200000">
+        <a:off x="1633127" y="2037540"/>
+        <a:ext cx="2877942" cy="374087"/>
+      </dsp:txXfrm>
+    </dsp:sp>
+    <dsp:sp modelId="{68193C31-698B-4BB7-8FC7-C5843CC150D8}">
+      <dsp:nvSpPr>
+        <dsp:cNvPr id="0" name=""/>
+        <dsp:cNvSpPr/>
+      </dsp:nvSpPr>
+      <dsp:spPr>
+        <a:xfrm>
+          <a:off x="283796" y="350489"/>
+          <a:ext cx="1438796" cy="3632837"/>
+        </a:xfrm>
+        <a:prstGeom prst="rect">
+          <a:avLst/>
+        </a:prstGeom>
+        <a:solidFill>
+          <a:schemeClr val="accent2">
+            <a:hueOff val="0"/>
+            <a:satOff val="0"/>
+            <a:lumOff val="0"/>
+            <a:alphaOff val="0"/>
+          </a:schemeClr>
+        </a:solidFill>
+        <a:ln w="12700" cap="flat" cmpd="sng" algn="ctr">
+          <a:solidFill>
+            <a:schemeClr val="lt1">
+              <a:hueOff val="0"/>
+              <a:satOff val="0"/>
+              <a:lumOff val="0"/>
+              <a:alphaOff val="0"/>
+            </a:schemeClr>
+          </a:solidFill>
+          <a:prstDash val="solid"/>
+          <a:miter lim="800000"/>
+        </a:ln>
+        <a:effectLst/>
+      </dsp:spPr>
+      <dsp:style>
+        <a:lnRef idx="2">
+          <a:scrgbClr r="0" g="0" b="0"/>
+        </a:lnRef>
+        <a:fillRef idx="1">
+          <a:scrgbClr r="0" g="0" b="0"/>
+        </a:fillRef>
+        <a:effectRef idx="0">
+          <a:scrgbClr r="0" g="0" b="0"/>
+        </a:effectRef>
+        <a:fontRef idx="minor">
+          <a:schemeClr val="lt1"/>
+        </a:fontRef>
+      </dsp:style>
+      <dsp:txBody>
+        <a:bodyPr spcFirstLastPara="0" vert="horz" wrap="square" lIns="91440" tIns="0" rIns="137160" bIns="30480" numCol="1" spcCol="1270" anchor="ctr" anchorCtr="0">
+          <a:noAutofit/>
+        </a:bodyPr>
+        <a:lstStyle/>
+        <a:p>
+          <a:pPr lvl="0" algn="r" defTabSz="1066800">
+            <a:lnSpc>
+              <a:spcPct val="90000"/>
+            </a:lnSpc>
+            <a:spcBef>
+              <a:spcPct val="0"/>
+            </a:spcBef>
+            <a:spcAft>
+              <a:spcPct val="35000"/>
+            </a:spcAft>
+          </a:pPr>
+          <a:r>
+            <a:rPr lang="de-CH" sz="2400" kern="1200" dirty="0" smtClean="0"/>
+            <a:t>R1</a:t>
+          </a:r>
+          <a:endParaRPr lang="de-CH" sz="2400" kern="1200" dirty="0"/>
+        </a:p>
+      </dsp:txBody>
+      <dsp:txXfrm rot="16200000">
+        <a:off x="-134753" y="1798222"/>
+        <a:ext cx="3269553" cy="374087"/>
+      </dsp:txXfrm>
+    </dsp:sp>
   </dsp:spTree>
 </dsp:drawing>
 </file>
@@ -7822,7 +8172,7 @@
           <a:p>
             <a:fld id="{3F1E0B3F-E8A9-40D1-8C96-ACD5C8333B3A}" type="datetimeFigureOut">
               <a:rPr lang="de-CH" smtClean="0"/>
-              <a:t>12.12.2016</a:t>
+              <a:t>14.12.2016</a:t>
             </a:fld>
             <a:endParaRPr lang="de-CH"/>
           </a:p>
@@ -7992,7 +8342,7 @@
           <a:p>
             <a:fld id="{3F1E0B3F-E8A9-40D1-8C96-ACD5C8333B3A}" type="datetimeFigureOut">
               <a:rPr lang="de-CH" smtClean="0"/>
-              <a:t>12.12.2016</a:t>
+              <a:t>14.12.2016</a:t>
             </a:fld>
             <a:endParaRPr lang="de-CH"/>
           </a:p>
@@ -8172,7 +8522,7 @@
           <a:p>
             <a:fld id="{3F1E0B3F-E8A9-40D1-8C96-ACD5C8333B3A}" type="datetimeFigureOut">
               <a:rPr lang="de-CH" smtClean="0"/>
-              <a:t>12.12.2016</a:t>
+              <a:t>14.12.2016</a:t>
             </a:fld>
             <a:endParaRPr lang="de-CH"/>
           </a:p>
@@ -8342,7 +8692,7 @@
           <a:p>
             <a:fld id="{3F1E0B3F-E8A9-40D1-8C96-ACD5C8333B3A}" type="datetimeFigureOut">
               <a:rPr lang="de-CH" smtClean="0"/>
-              <a:t>12.12.2016</a:t>
+              <a:t>14.12.2016</a:t>
             </a:fld>
             <a:endParaRPr lang="de-CH"/>
           </a:p>
@@ -8588,7 +8938,7 @@
           <a:p>
             <a:fld id="{3F1E0B3F-E8A9-40D1-8C96-ACD5C8333B3A}" type="datetimeFigureOut">
               <a:rPr lang="de-CH" smtClean="0"/>
-              <a:t>12.12.2016</a:t>
+              <a:t>14.12.2016</a:t>
             </a:fld>
             <a:endParaRPr lang="de-CH"/>
           </a:p>
@@ -8820,7 +9170,7 @@
           <a:p>
             <a:fld id="{3F1E0B3F-E8A9-40D1-8C96-ACD5C8333B3A}" type="datetimeFigureOut">
               <a:rPr lang="de-CH" smtClean="0"/>
-              <a:t>12.12.2016</a:t>
+              <a:t>14.12.2016</a:t>
             </a:fld>
             <a:endParaRPr lang="de-CH"/>
           </a:p>
@@ -9187,7 +9537,7 @@
           <a:p>
             <a:fld id="{3F1E0B3F-E8A9-40D1-8C96-ACD5C8333B3A}" type="datetimeFigureOut">
               <a:rPr lang="de-CH" smtClean="0"/>
-              <a:t>12.12.2016</a:t>
+              <a:t>14.12.2016</a:t>
             </a:fld>
             <a:endParaRPr lang="de-CH"/>
           </a:p>
@@ -9305,7 +9655,7 @@
           <a:p>
             <a:fld id="{3F1E0B3F-E8A9-40D1-8C96-ACD5C8333B3A}" type="datetimeFigureOut">
               <a:rPr lang="de-CH" smtClean="0"/>
-              <a:t>12.12.2016</a:t>
+              <a:t>14.12.2016</a:t>
             </a:fld>
             <a:endParaRPr lang="de-CH"/>
           </a:p>
@@ -9400,7 +9750,7 @@
           <a:p>
             <a:fld id="{3F1E0B3F-E8A9-40D1-8C96-ACD5C8333B3A}" type="datetimeFigureOut">
               <a:rPr lang="de-CH" smtClean="0"/>
-              <a:t>12.12.2016</a:t>
+              <a:t>14.12.2016</a:t>
             </a:fld>
             <a:endParaRPr lang="de-CH"/>
           </a:p>
@@ -9677,7 +10027,7 @@
           <a:p>
             <a:fld id="{3F1E0B3F-E8A9-40D1-8C96-ACD5C8333B3A}" type="datetimeFigureOut">
               <a:rPr lang="de-CH" smtClean="0"/>
-              <a:t>12.12.2016</a:t>
+              <a:t>14.12.2016</a:t>
             </a:fld>
             <a:endParaRPr lang="de-CH"/>
           </a:p>
@@ -9930,7 +10280,7 @@
           <a:p>
             <a:fld id="{3F1E0B3F-E8A9-40D1-8C96-ACD5C8333B3A}" type="datetimeFigureOut">
               <a:rPr lang="de-CH" smtClean="0"/>
-              <a:t>12.12.2016</a:t>
+              <a:t>14.12.2016</a:t>
             </a:fld>
             <a:endParaRPr lang="de-CH"/>
           </a:p>
@@ -10143,7 +10493,7 @@
           <a:p>
             <a:fld id="{3F1E0B3F-E8A9-40D1-8C96-ACD5C8333B3A}" type="datetimeFigureOut">
               <a:rPr lang="de-CH" smtClean="0"/>
-              <a:t>12.12.2016</a:t>
+              <a:t>14.12.2016</a:t>
             </a:fld>
             <a:endParaRPr lang="de-CH"/>
           </a:p>
@@ -10641,7 +10991,7 @@
             <p:ph idx="1"/>
             <p:extLst>
               <p:ext uri="{D42A27DB-BD31-4B8C-83A1-F6EECF244321}">
-                <p14:modId xmlns:p14="http://schemas.microsoft.com/office/powerpoint/2010/main" val="1776610970"/>
+                <p14:modId xmlns:p14="http://schemas.microsoft.com/office/powerpoint/2010/main" val="125617278"/>
               </p:ext>
             </p:extLst>
           </p:nvPr>
@@ -10746,13 +11096,8 @@
           <a:p>
             <a:r>
               <a:rPr lang="de-CH" dirty="0" smtClean="0"/>
-              <a:t>Server </a:t>
+              <a:t>Server Setup &amp; Requirments</a:t>
             </a:r>
-            <a:r>
-              <a:rPr lang="de-CH" dirty="0" smtClean="0"/>
-              <a:t>Setup &amp; Requirments</a:t>
-            </a:r>
-            <a:endParaRPr lang="de-CH" dirty="0" smtClean="0"/>
           </a:p>
           <a:p>
             <a:pPr lvl="1"/>
@@ -11120,13 +11465,21 @@
           <a:p>
             <a:r>
               <a:rPr lang="de-CH" dirty="0" smtClean="0"/>
-              <a:t>R1: Pauschale</a:t>
+              <a:t>R1: </a:t>
             </a:r>
-          </a:p>
-          <a:p>
             <a:r>
               <a:rPr lang="de-CH" dirty="0" smtClean="0"/>
-              <a:t>Rx: Kundenanforderungen, Erweiterungen, Fixes werden nach Aufwand berechnet</a:t>
+              <a:t>Pauschale</a:t>
+            </a:r>
+          </a:p>
+          <a:p>
+            <a:r>
+              <a:rPr lang="de-CH" dirty="0" smtClean="0"/>
+              <a:t>Rx</a:t>
+            </a:r>
+            <a:r>
+              <a:rPr lang="de-CH" dirty="0" smtClean="0"/>
+              <a:t>: Kundenanforderungen, Erweiterungen, Fixes werden nach Aufwand berechnet</a:t>
             </a:r>
           </a:p>
           <a:p>
